--- a/BUS212_ADA/exam/thoughts.pptx
+++ b/BUS212_ADA/exam/thoughts.pptx
@@ -6,11 +6,19 @@
   </p:sldMasterIdLst>
   <p:sldIdLst>
     <p:sldId id="256" r:id="rId2"/>
-    <p:sldId id="257" r:id="rId3"/>
-    <p:sldId id="258" r:id="rId4"/>
-    <p:sldId id="259" r:id="rId5"/>
-    <p:sldId id="260" r:id="rId6"/>
-    <p:sldId id="261" r:id="rId7"/>
+    <p:sldId id="262" r:id="rId3"/>
+    <p:sldId id="263" r:id="rId4"/>
+    <p:sldId id="264" r:id="rId5"/>
+    <p:sldId id="265" r:id="rId6"/>
+    <p:sldId id="257" r:id="rId7"/>
+    <p:sldId id="266" r:id="rId8"/>
+    <p:sldId id="258" r:id="rId9"/>
+    <p:sldId id="267" r:id="rId10"/>
+    <p:sldId id="259" r:id="rId11"/>
+    <p:sldId id="268" r:id="rId12"/>
+    <p:sldId id="260" r:id="rId13"/>
+    <p:sldId id="269" r:id="rId14"/>
+    <p:sldId id="261" r:id="rId15"/>
   </p:sldIdLst>
   <p:sldSz cx="12192000" cy="6858000"/>
   <p:notesSz cx="6858000" cy="9144000"/>
@@ -3354,7 +3362,7 @@
           <a:p>
             <a:r>
               <a:rPr lang="en-US" dirty="0"/>
-              <a:t>Fighting Temptation</a:t>
+              <a:t>Lecture ?</a:t>
             </a:r>
           </a:p>
         </p:txBody>
@@ -3380,7 +3388,16 @@
           <a:bodyPr/>
           <a:lstStyle/>
           <a:p>
-            <a:endParaRPr lang="en-US"/>
+            <a:r>
+              <a:rPr lang="en-US" dirty="0"/>
+              <a:t>BUS 212</a:t>
+            </a:r>
+          </a:p>
+          <a:p>
+            <a:r>
+              <a:rPr lang="en-US" dirty="0"/>
+              <a:t>I just make this slide a few hours ago</a:t>
+            </a:r>
           </a:p>
         </p:txBody>
       </p:sp>
@@ -3388,6 +3405,635 @@
     <p:extLst>
       <p:ext uri="{BB962C8B-B14F-4D97-AF65-F5344CB8AC3E}">
         <p14:creationId xmlns:p14="http://schemas.microsoft.com/office/powerpoint/2010/main" val="2245598344"/>
+      </p:ext>
+    </p:extLst>
+  </p:cSld>
+  <p:clrMapOvr>
+    <a:masterClrMapping/>
+  </p:clrMapOvr>
+</p:sld>
+</file>
+
+<file path=ppt/slides/slide10.xml><?xml version="1.0" encoding="utf-8"?>
+<p:sld xmlns:a="http://schemas.openxmlformats.org/drawingml/2006/main" xmlns:r="http://schemas.openxmlformats.org/officeDocument/2006/relationships" xmlns:p="http://schemas.openxmlformats.org/presentationml/2006/main">
+  <p:cSld>
+    <p:spTree>
+      <p:nvGrpSpPr>
+        <p:cNvPr id="1" name=""/>
+        <p:cNvGrpSpPr/>
+        <p:nvPr/>
+      </p:nvGrpSpPr>
+      <p:grpSpPr>
+        <a:xfrm>
+          <a:off x="0" y="0"/>
+          <a:ext cx="0" cy="0"/>
+          <a:chOff x="0" y="0"/>
+          <a:chExt cx="0" cy="0"/>
+        </a:xfrm>
+      </p:grpSpPr>
+      <p:sp>
+        <p:nvSpPr>
+          <p:cNvPr id="2" name="Title 1">
+            <a:extLst>
+              <a:ext uri="{FF2B5EF4-FFF2-40B4-BE49-F238E27FC236}">
+                <a16:creationId xmlns:a16="http://schemas.microsoft.com/office/drawing/2014/main" id="{C39B3EA7-992B-12FC-AD9D-BBDF9270C248}"/>
+              </a:ext>
+            </a:extLst>
+          </p:cNvPr>
+          <p:cNvSpPr>
+            <a:spLocks noGrp="1"/>
+          </p:cNvSpPr>
+          <p:nvPr>
+            <p:ph type="title"/>
+          </p:nvPr>
+        </p:nvSpPr>
+        <p:spPr/>
+        <p:txBody>
+          <a:bodyPr/>
+          <a:lstStyle/>
+          <a:p>
+            <a:r>
+              <a:rPr lang="en-US" dirty="0"/>
+              <a:t>Question 3</a:t>
+            </a:r>
+          </a:p>
+        </p:txBody>
+      </p:sp>
+      <p:sp>
+        <p:nvSpPr>
+          <p:cNvPr id="3" name="Content Placeholder 2">
+            <a:extLst>
+              <a:ext uri="{FF2B5EF4-FFF2-40B4-BE49-F238E27FC236}">
+                <a16:creationId xmlns:a16="http://schemas.microsoft.com/office/drawing/2014/main" id="{C420337E-A15D-0130-8AE8-BB711932D8CF}"/>
+              </a:ext>
+            </a:extLst>
+          </p:cNvPr>
+          <p:cNvSpPr>
+            <a:spLocks noGrp="1"/>
+          </p:cNvSpPr>
+          <p:nvPr>
+            <p:ph idx="1"/>
+          </p:nvPr>
+        </p:nvSpPr>
+        <p:spPr/>
+        <p:txBody>
+          <a:bodyPr>
+            <a:normAutofit fontScale="92500"/>
+          </a:bodyPr>
+          <a:lstStyle/>
+          <a:p>
+            <a:pPr>
+              <a:lnSpc>
+                <a:spcPct val="150000"/>
+              </a:lnSpc>
+            </a:pPr>
+            <a:r>
+              <a:rPr lang="en-US" dirty="0"/>
+              <a:t>Why do we need a classification model?</a:t>
+            </a:r>
+          </a:p>
+          <a:p>
+            <a:pPr>
+              <a:lnSpc>
+                <a:spcPct val="150000"/>
+              </a:lnSpc>
+            </a:pPr>
+            <a:r>
+              <a:rPr lang="en-US" dirty="0"/>
+              <a:t>How do we test the model?</a:t>
+            </a:r>
+          </a:p>
+          <a:p>
+            <a:pPr lvl="1">
+              <a:lnSpc>
+                <a:spcPct val="150000"/>
+              </a:lnSpc>
+            </a:pPr>
+            <a:r>
+              <a:rPr lang="en-US" dirty="0"/>
+              <a:t>Why not R-squared is the bad one here?</a:t>
+            </a:r>
+          </a:p>
+          <a:p>
+            <a:pPr>
+              <a:lnSpc>
+                <a:spcPct val="150000"/>
+              </a:lnSpc>
+            </a:pPr>
+            <a:r>
+              <a:rPr lang="en-US" dirty="0"/>
+              <a:t>Think about the example</a:t>
+            </a:r>
+          </a:p>
+          <a:p>
+            <a:pPr lvl="1">
+              <a:lnSpc>
+                <a:spcPct val="150000"/>
+              </a:lnSpc>
+            </a:pPr>
+            <a:r>
+              <a:rPr lang="en-US" dirty="0"/>
+              <a:t>You want to build a classifier filter which classifies adult contents in streaming videos</a:t>
+            </a:r>
+          </a:p>
+          <a:p>
+            <a:pPr lvl="2">
+              <a:lnSpc>
+                <a:spcPct val="150000"/>
+              </a:lnSpc>
+            </a:pPr>
+            <a:r>
+              <a:rPr lang="en-US" dirty="0"/>
+              <a:t>Do we need to focus on raising precision or recall?</a:t>
+            </a:r>
+          </a:p>
+          <a:p>
+            <a:pPr lvl="2">
+              <a:lnSpc>
+                <a:spcPct val="150000"/>
+              </a:lnSpc>
+            </a:pPr>
+            <a:r>
+              <a:rPr lang="en-US" dirty="0"/>
+              <a:t>Think about there is a </a:t>
+            </a:r>
+            <a:r>
+              <a:rPr lang="en-US" b="1" i="1" dirty="0"/>
+              <a:t>trade-off</a:t>
+            </a:r>
+          </a:p>
+        </p:txBody>
+      </p:sp>
+    </p:spTree>
+    <p:extLst>
+      <p:ext uri="{BB962C8B-B14F-4D97-AF65-F5344CB8AC3E}">
+        <p14:creationId xmlns:p14="http://schemas.microsoft.com/office/powerpoint/2010/main" val="598395510"/>
+      </p:ext>
+    </p:extLst>
+  </p:cSld>
+  <p:clrMapOvr>
+    <a:masterClrMapping/>
+  </p:clrMapOvr>
+</p:sld>
+</file>
+
+<file path=ppt/slides/slide11.xml><?xml version="1.0" encoding="utf-8"?>
+<p:sld xmlns:a="http://schemas.openxmlformats.org/drawingml/2006/main" xmlns:r="http://schemas.openxmlformats.org/officeDocument/2006/relationships" xmlns:p="http://schemas.openxmlformats.org/presentationml/2006/main">
+  <p:cSld>
+    <p:spTree>
+      <p:nvGrpSpPr>
+        <p:cNvPr id="1" name=""/>
+        <p:cNvGrpSpPr/>
+        <p:nvPr/>
+      </p:nvGrpSpPr>
+      <p:grpSpPr>
+        <a:xfrm>
+          <a:off x="0" y="0"/>
+          <a:ext cx="0" cy="0"/>
+          <a:chOff x="0" y="0"/>
+          <a:chExt cx="0" cy="0"/>
+        </a:xfrm>
+      </p:grpSpPr>
+      <p:sp>
+        <p:nvSpPr>
+          <p:cNvPr id="2" name="Title 1">
+            <a:extLst>
+              <a:ext uri="{FF2B5EF4-FFF2-40B4-BE49-F238E27FC236}">
+                <a16:creationId xmlns:a16="http://schemas.microsoft.com/office/drawing/2014/main" id="{DCA0E860-F37C-2ED1-56FC-946D9D7FB283}"/>
+              </a:ext>
+            </a:extLst>
+          </p:cNvPr>
+          <p:cNvSpPr>
+            <a:spLocks noGrp="1"/>
+          </p:cNvSpPr>
+          <p:nvPr>
+            <p:ph type="title"/>
+          </p:nvPr>
+        </p:nvSpPr>
+        <p:spPr/>
+        <p:txBody>
+          <a:bodyPr/>
+          <a:lstStyle/>
+          <a:p>
+            <a:r>
+              <a:rPr lang="en-US" dirty="0"/>
+              <a:t>Not interested in whether you know LOOCV</a:t>
+            </a:r>
+          </a:p>
+        </p:txBody>
+      </p:sp>
+      <p:pic>
+        <p:nvPicPr>
+          <p:cNvPr id="5" name="Content Placeholder 4">
+            <a:extLst>
+              <a:ext uri="{FF2B5EF4-FFF2-40B4-BE49-F238E27FC236}">
+                <a16:creationId xmlns:a16="http://schemas.microsoft.com/office/drawing/2014/main" id="{0DF560AD-2495-9D4C-C5B4-B63F87F195CA}"/>
+              </a:ext>
+            </a:extLst>
+          </p:cNvPr>
+          <p:cNvPicPr>
+            <a:picLocks noGrp="1" noChangeAspect="1"/>
+          </p:cNvPicPr>
+          <p:nvPr>
+            <p:ph idx="1"/>
+          </p:nvPr>
+        </p:nvPicPr>
+        <p:blipFill>
+          <a:blip r:embed="rId2"/>
+          <a:stretch>
+            <a:fillRect/>
+          </a:stretch>
+        </p:blipFill>
+        <p:spPr>
+          <a:xfrm>
+            <a:off x="1052661" y="2687898"/>
+            <a:ext cx="10301139" cy="1168923"/>
+          </a:xfrm>
+        </p:spPr>
+      </p:pic>
+    </p:spTree>
+    <p:extLst>
+      <p:ext uri="{BB962C8B-B14F-4D97-AF65-F5344CB8AC3E}">
+        <p14:creationId xmlns:p14="http://schemas.microsoft.com/office/powerpoint/2010/main" val="3019925578"/>
+      </p:ext>
+    </p:extLst>
+  </p:cSld>
+  <p:clrMapOvr>
+    <a:masterClrMapping/>
+  </p:clrMapOvr>
+</p:sld>
+</file>
+
+<file path=ppt/slides/slide12.xml><?xml version="1.0" encoding="utf-8"?>
+<p:sld xmlns:a="http://schemas.openxmlformats.org/drawingml/2006/main" xmlns:r="http://schemas.openxmlformats.org/officeDocument/2006/relationships" xmlns:p="http://schemas.openxmlformats.org/presentationml/2006/main">
+  <p:cSld>
+    <p:spTree>
+      <p:nvGrpSpPr>
+        <p:cNvPr id="1" name=""/>
+        <p:cNvGrpSpPr/>
+        <p:nvPr/>
+      </p:nvGrpSpPr>
+      <p:grpSpPr>
+        <a:xfrm>
+          <a:off x="0" y="0"/>
+          <a:ext cx="0" cy="0"/>
+          <a:chOff x="0" y="0"/>
+          <a:chExt cx="0" cy="0"/>
+        </a:xfrm>
+      </p:grpSpPr>
+      <p:sp>
+        <p:nvSpPr>
+          <p:cNvPr id="2" name="Title 1">
+            <a:extLst>
+              <a:ext uri="{FF2B5EF4-FFF2-40B4-BE49-F238E27FC236}">
+                <a16:creationId xmlns:a16="http://schemas.microsoft.com/office/drawing/2014/main" id="{FF0A6B22-F68E-2A70-EF43-F6FBC7D8DD6B}"/>
+              </a:ext>
+            </a:extLst>
+          </p:cNvPr>
+          <p:cNvSpPr>
+            <a:spLocks noGrp="1"/>
+          </p:cNvSpPr>
+          <p:nvPr>
+            <p:ph type="title"/>
+          </p:nvPr>
+        </p:nvSpPr>
+        <p:spPr/>
+        <p:txBody>
+          <a:bodyPr/>
+          <a:lstStyle/>
+          <a:p>
+            <a:r>
+              <a:rPr lang="en-US" dirty="0"/>
+              <a:t>Question 4</a:t>
+            </a:r>
+          </a:p>
+        </p:txBody>
+      </p:sp>
+      <p:sp>
+        <p:nvSpPr>
+          <p:cNvPr id="3" name="Content Placeholder 2">
+            <a:extLst>
+              <a:ext uri="{FF2B5EF4-FFF2-40B4-BE49-F238E27FC236}">
+                <a16:creationId xmlns:a16="http://schemas.microsoft.com/office/drawing/2014/main" id="{AD8163DB-17FB-8C6B-3D1F-E287FD0198D7}"/>
+              </a:ext>
+            </a:extLst>
+          </p:cNvPr>
+          <p:cNvSpPr>
+            <a:spLocks noGrp="1"/>
+          </p:cNvSpPr>
+          <p:nvPr>
+            <p:ph idx="1"/>
+          </p:nvPr>
+        </p:nvSpPr>
+        <p:spPr/>
+        <p:txBody>
+          <a:bodyPr>
+            <a:normAutofit lnSpcReduction="10000"/>
+          </a:bodyPr>
+          <a:lstStyle/>
+          <a:p>
+            <a:pPr>
+              <a:lnSpc>
+                <a:spcPct val="150000"/>
+              </a:lnSpc>
+            </a:pPr>
+            <a:r>
+              <a:rPr lang="en-US" dirty="0"/>
+              <a:t>Again, let’s talk about how we implement k-fold cross-validation process</a:t>
+            </a:r>
+          </a:p>
+          <a:p>
+            <a:pPr lvl="1">
+              <a:lnSpc>
+                <a:spcPct val="150000"/>
+              </a:lnSpc>
+            </a:pPr>
+            <a:r>
+              <a:rPr lang="en-US" dirty="0"/>
+              <a:t>Data split in k folds</a:t>
+            </a:r>
+          </a:p>
+          <a:p>
+            <a:pPr lvl="1">
+              <a:lnSpc>
+                <a:spcPct val="150000"/>
+              </a:lnSpc>
+            </a:pPr>
+            <a:r>
+              <a:rPr lang="en-US" dirty="0"/>
+              <a:t>Use k-1 folds for training and 1 fold for validation</a:t>
+            </a:r>
+          </a:p>
+          <a:p>
+            <a:pPr lvl="1">
+              <a:lnSpc>
+                <a:spcPct val="150000"/>
+              </a:lnSpc>
+            </a:pPr>
+            <a:r>
+              <a:rPr lang="en-US" dirty="0"/>
+              <a:t>What’s the next?</a:t>
+            </a:r>
+          </a:p>
+          <a:p>
+            <a:pPr>
+              <a:lnSpc>
+                <a:spcPct val="150000"/>
+              </a:lnSpc>
+            </a:pPr>
+            <a:r>
+              <a:rPr lang="en-US" dirty="0"/>
+              <a:t>What’ the intuition behind the validation set approach?</a:t>
+            </a:r>
+          </a:p>
+          <a:p>
+            <a:pPr lvl="1">
+              <a:lnSpc>
+                <a:spcPct val="150000"/>
+              </a:lnSpc>
+            </a:pPr>
+            <a:r>
+              <a:rPr lang="en-US" dirty="0"/>
+              <a:t>Random split?</a:t>
+            </a:r>
+          </a:p>
+        </p:txBody>
+      </p:sp>
+    </p:spTree>
+    <p:extLst>
+      <p:ext uri="{BB962C8B-B14F-4D97-AF65-F5344CB8AC3E}">
+        <p14:creationId xmlns:p14="http://schemas.microsoft.com/office/powerpoint/2010/main" val="137877342"/>
+      </p:ext>
+    </p:extLst>
+  </p:cSld>
+  <p:clrMapOvr>
+    <a:masterClrMapping/>
+  </p:clrMapOvr>
+</p:sld>
+</file>
+
+<file path=ppt/slides/slide13.xml><?xml version="1.0" encoding="utf-8"?>
+<p:sld xmlns:a="http://schemas.openxmlformats.org/drawingml/2006/main" xmlns:r="http://schemas.openxmlformats.org/officeDocument/2006/relationships" xmlns:p="http://schemas.openxmlformats.org/presentationml/2006/main">
+  <p:cSld>
+    <p:spTree>
+      <p:nvGrpSpPr>
+        <p:cNvPr id="1" name=""/>
+        <p:cNvGrpSpPr/>
+        <p:nvPr/>
+      </p:nvGrpSpPr>
+      <p:grpSpPr>
+        <a:xfrm>
+          <a:off x="0" y="0"/>
+          <a:ext cx="0" cy="0"/>
+          <a:chOff x="0" y="0"/>
+          <a:chExt cx="0" cy="0"/>
+        </a:xfrm>
+      </p:grpSpPr>
+      <p:sp>
+        <p:nvSpPr>
+          <p:cNvPr id="2" name="Title 1">
+            <a:extLst>
+              <a:ext uri="{FF2B5EF4-FFF2-40B4-BE49-F238E27FC236}">
+                <a16:creationId xmlns:a16="http://schemas.microsoft.com/office/drawing/2014/main" id="{D2B0DF68-F0EC-AAC9-7FA7-213550EAD16C}"/>
+              </a:ext>
+            </a:extLst>
+          </p:cNvPr>
+          <p:cNvSpPr>
+            <a:spLocks noGrp="1"/>
+          </p:cNvSpPr>
+          <p:nvPr>
+            <p:ph type="title"/>
+          </p:nvPr>
+        </p:nvSpPr>
+        <p:spPr/>
+        <p:txBody>
+          <a:bodyPr/>
+          <a:lstStyle/>
+          <a:p>
+            <a:r>
+              <a:rPr lang="en-US" b="1" dirty="0"/>
+              <a:t>We need to have a talk</a:t>
+            </a:r>
+          </a:p>
+        </p:txBody>
+      </p:sp>
+      <p:pic>
+        <p:nvPicPr>
+          <p:cNvPr id="5" name="Content Placeholder 4" descr="Text, letter&#10;&#10;Description automatically generated">
+            <a:extLst>
+              <a:ext uri="{FF2B5EF4-FFF2-40B4-BE49-F238E27FC236}">
+                <a16:creationId xmlns:a16="http://schemas.microsoft.com/office/drawing/2014/main" id="{BBBCCAB3-F892-2180-4B8C-79FDB9D6CA02}"/>
+              </a:ext>
+            </a:extLst>
+          </p:cNvPr>
+          <p:cNvPicPr>
+            <a:picLocks noGrp="1" noChangeAspect="1"/>
+          </p:cNvPicPr>
+          <p:nvPr>
+            <p:ph idx="1"/>
+          </p:nvPr>
+        </p:nvPicPr>
+        <p:blipFill>
+          <a:blip r:embed="rId2"/>
+          <a:stretch>
+            <a:fillRect/>
+          </a:stretch>
+        </p:blipFill>
+        <p:spPr>
+          <a:xfrm>
+            <a:off x="1252429" y="1825625"/>
+            <a:ext cx="9687141" cy="4351338"/>
+          </a:xfrm>
+        </p:spPr>
+      </p:pic>
+    </p:spTree>
+    <p:extLst>
+      <p:ext uri="{BB962C8B-B14F-4D97-AF65-F5344CB8AC3E}">
+        <p14:creationId xmlns:p14="http://schemas.microsoft.com/office/powerpoint/2010/main" val="4095427283"/>
+      </p:ext>
+    </p:extLst>
+  </p:cSld>
+  <p:clrMapOvr>
+    <a:masterClrMapping/>
+  </p:clrMapOvr>
+</p:sld>
+</file>
+
+<file path=ppt/slides/slide14.xml><?xml version="1.0" encoding="utf-8"?>
+<p:sld xmlns:a="http://schemas.openxmlformats.org/drawingml/2006/main" xmlns:r="http://schemas.openxmlformats.org/officeDocument/2006/relationships" xmlns:p="http://schemas.openxmlformats.org/presentationml/2006/main">
+  <p:cSld>
+    <p:spTree>
+      <p:nvGrpSpPr>
+        <p:cNvPr id="1" name=""/>
+        <p:cNvGrpSpPr/>
+        <p:nvPr/>
+      </p:nvGrpSpPr>
+      <p:grpSpPr>
+        <a:xfrm>
+          <a:off x="0" y="0"/>
+          <a:ext cx="0" cy="0"/>
+          <a:chOff x="0" y="0"/>
+          <a:chExt cx="0" cy="0"/>
+        </a:xfrm>
+      </p:grpSpPr>
+      <p:sp>
+        <p:nvSpPr>
+          <p:cNvPr id="2" name="Title 1">
+            <a:extLst>
+              <a:ext uri="{FF2B5EF4-FFF2-40B4-BE49-F238E27FC236}">
+                <a16:creationId xmlns:a16="http://schemas.microsoft.com/office/drawing/2014/main" id="{C93C6E2B-3754-D5E6-F640-6CF411774C2E}"/>
+              </a:ext>
+            </a:extLst>
+          </p:cNvPr>
+          <p:cNvSpPr>
+            <a:spLocks noGrp="1"/>
+          </p:cNvSpPr>
+          <p:nvPr>
+            <p:ph type="title"/>
+          </p:nvPr>
+        </p:nvSpPr>
+        <p:spPr/>
+        <p:txBody>
+          <a:bodyPr/>
+          <a:lstStyle/>
+          <a:p>
+            <a:r>
+              <a:rPr lang="en-US" b="1"/>
+              <a:t>Class end </a:t>
+            </a:r>
+            <a:r>
+              <a:rPr lang="en-US" b="1" dirty="0"/>
+              <a:t>here but office </a:t>
+            </a:r>
+            <a:r>
+              <a:rPr lang="en-US" b="1"/>
+              <a:t>hour start</a:t>
+            </a:r>
+            <a:endParaRPr lang="en-US" b="1" dirty="0"/>
+          </a:p>
+        </p:txBody>
+      </p:sp>
+      <p:sp>
+        <p:nvSpPr>
+          <p:cNvPr id="3" name="Content Placeholder 2">
+            <a:extLst>
+              <a:ext uri="{FF2B5EF4-FFF2-40B4-BE49-F238E27FC236}">
+                <a16:creationId xmlns:a16="http://schemas.microsoft.com/office/drawing/2014/main" id="{3FF31B47-A515-F2AE-A8A5-01B0C0DB274D}"/>
+              </a:ext>
+            </a:extLst>
+          </p:cNvPr>
+          <p:cNvSpPr>
+            <a:spLocks noGrp="1"/>
+          </p:cNvSpPr>
+          <p:nvPr>
+            <p:ph idx="1"/>
+          </p:nvPr>
+        </p:nvSpPr>
+        <p:spPr/>
+        <p:txBody>
+          <a:bodyPr/>
+          <a:lstStyle/>
+          <a:p>
+            <a:pPr>
+              <a:lnSpc>
+                <a:spcPct val="150000"/>
+              </a:lnSpc>
+            </a:pPr>
+            <a:r>
+              <a:rPr lang="en-US" dirty="0"/>
+              <a:t>I’d like to discuss with you!</a:t>
+            </a:r>
+          </a:p>
+          <a:p>
+            <a:pPr>
+              <a:lnSpc>
+                <a:spcPct val="150000"/>
+              </a:lnSpc>
+            </a:pPr>
+            <a:r>
+              <a:rPr lang="en-US" dirty="0"/>
+              <a:t>I will be at my office 209 B</a:t>
+            </a:r>
+          </a:p>
+          <a:p>
+            <a:pPr>
+              <a:lnSpc>
+                <a:spcPct val="150000"/>
+              </a:lnSpc>
+            </a:pPr>
+            <a:r>
+              <a:rPr lang="en-US" dirty="0"/>
+              <a:t>Please come and discuss how we proceed</a:t>
+            </a:r>
+          </a:p>
+          <a:p>
+            <a:pPr>
+              <a:lnSpc>
+                <a:spcPct val="150000"/>
+              </a:lnSpc>
+            </a:pPr>
+            <a:r>
+              <a:rPr lang="en-US" dirty="0"/>
+              <a:t>Strongly recommend the students who feel behind</a:t>
+            </a:r>
+          </a:p>
+          <a:p>
+            <a:pPr>
+              <a:lnSpc>
+                <a:spcPct val="150000"/>
+              </a:lnSpc>
+            </a:pPr>
+            <a:r>
+              <a:rPr lang="en-US" dirty="0"/>
+              <a:t>Not going to dispute with you on your scores (email only)</a:t>
+            </a:r>
+          </a:p>
+        </p:txBody>
+      </p:sp>
+    </p:spTree>
+    <p:extLst>
+      <p:ext uri="{BB962C8B-B14F-4D97-AF65-F5344CB8AC3E}">
+        <p14:creationId xmlns:p14="http://schemas.microsoft.com/office/powerpoint/2010/main" val="754824070"/>
       </p:ext>
     </p:extLst>
   </p:cSld>
@@ -3419,7 +4065,7 @@
           <p:cNvPr id="2" name="Title 1">
             <a:extLst>
               <a:ext uri="{FF2B5EF4-FFF2-40B4-BE49-F238E27FC236}">
-                <a16:creationId xmlns:a16="http://schemas.microsoft.com/office/drawing/2014/main" id="{5693FD9A-04B1-8FEC-29D4-A855C5C02B61}"/>
+                <a16:creationId xmlns:a16="http://schemas.microsoft.com/office/drawing/2014/main" id="{98014A1F-0A09-F71B-F9F9-3493780810EA}"/>
               </a:ext>
             </a:extLst>
           </p:cNvPr>
@@ -3436,8 +4082,8 @@
           <a:lstStyle/>
           <a:p>
             <a:r>
-              <a:rPr lang="en-US" dirty="0"/>
-              <a:t>Question 1</a:t>
+              <a:rPr lang="en-US" b="1" dirty="0"/>
+              <a:t>Original Plan</a:t>
             </a:r>
           </a:p>
         </p:txBody>
@@ -3447,7 +4093,7 @@
           <p:cNvPr id="3" name="Content Placeholder 2">
             <a:extLst>
               <a:ext uri="{FF2B5EF4-FFF2-40B4-BE49-F238E27FC236}">
-                <a16:creationId xmlns:a16="http://schemas.microsoft.com/office/drawing/2014/main" id="{566AA1AB-E5A2-F828-490D-B0C9595093EE}"/>
+                <a16:creationId xmlns:a16="http://schemas.microsoft.com/office/drawing/2014/main" id="{D98DE422-880E-3A7E-08FB-51CC0248DD1E}"/>
               </a:ext>
             </a:extLst>
           </p:cNvPr>
@@ -3465,34 +4111,45 @@
           <a:p>
             <a:r>
               <a:rPr lang="en-US" dirty="0"/>
-              <a:t>Definition / basic characteristics</a:t>
-            </a:r>
-          </a:p>
-          <a:p>
-            <a:r>
-              <a:rPr lang="en-US" dirty="0"/>
-              <a:t>You have to defend in terms of favoring inflexible models</a:t>
-            </a:r>
-          </a:p>
-          <a:p>
-            <a:endParaRPr lang="en-US" dirty="0"/>
-          </a:p>
-          <a:p>
-            <a:r>
-              <a:rPr lang="en-US" dirty="0"/>
-              <a:t>It is not preferred to show off what you know</a:t>
-            </a:r>
-          </a:p>
-          <a:p>
-            <a:r>
-              <a:rPr lang="en-US" dirty="0"/>
-              <a:t>You have to connect your answer on the question</a:t>
-            </a:r>
-          </a:p>
-          <a:p>
-            <a:r>
-              <a:rPr lang="en-US" dirty="0"/>
-              <a:t>True: complex models would be preferred. But the read question</a:t>
+              <a:t>Study Algorithm chains and Pipelines</a:t>
+            </a:r>
+          </a:p>
+          <a:p>
+            <a:r>
+              <a:rPr lang="en-US" dirty="0"/>
+              <a:t>Pipeline (python) class simplifies the pre processing data </a:t>
+            </a:r>
+          </a:p>
+          <a:p>
+            <a:r>
+              <a:rPr lang="en-US" dirty="0"/>
+              <a:t>As long as knowing the brief data structure, easy to apply this framework</a:t>
+            </a:r>
+          </a:p>
+          <a:p>
+            <a:pPr lvl="1"/>
+            <a:r>
+              <a:rPr lang="en-US" dirty="0"/>
+              <a:t>Process data</a:t>
+            </a:r>
+          </a:p>
+          <a:p>
+            <a:pPr lvl="1"/>
+            <a:r>
+              <a:rPr lang="en-US" dirty="0"/>
+              <a:t>Apply the model</a:t>
+            </a:r>
+          </a:p>
+          <a:p>
+            <a:r>
+              <a:rPr lang="en-US" dirty="0"/>
+              <a:t>It is a kind of one-shot algorithm</a:t>
+            </a:r>
+          </a:p>
+          <a:p>
+            <a:r>
+              <a:rPr lang="en-US" dirty="0"/>
+              <a:t>Its usage is a bit controversial </a:t>
             </a:r>
           </a:p>
         </p:txBody>
@@ -3500,7 +4157,7 @@
     </p:spTree>
     <p:extLst>
       <p:ext uri="{BB962C8B-B14F-4D97-AF65-F5344CB8AC3E}">
-        <p14:creationId xmlns:p14="http://schemas.microsoft.com/office/powerpoint/2010/main" val="2288725843"/>
+        <p14:creationId xmlns:p14="http://schemas.microsoft.com/office/powerpoint/2010/main" val="826118154"/>
       </p:ext>
     </p:extLst>
   </p:cSld>
@@ -3532,7 +4189,7 @@
           <p:cNvPr id="2" name="Title 1">
             <a:extLst>
               <a:ext uri="{FF2B5EF4-FFF2-40B4-BE49-F238E27FC236}">
-                <a16:creationId xmlns:a16="http://schemas.microsoft.com/office/drawing/2014/main" id="{23A2E8C4-DB29-D7EE-FBEC-B09430A90452}"/>
+                <a16:creationId xmlns:a16="http://schemas.microsoft.com/office/drawing/2014/main" id="{87C57BDF-0F26-5952-24CD-CE0163995B59}"/>
               </a:ext>
             </a:extLst>
           </p:cNvPr>
@@ -3549,8 +4206,8 @@
           <a:lstStyle/>
           <a:p>
             <a:r>
-              <a:rPr lang="en-US" dirty="0"/>
-              <a:t>Question 2</a:t>
+              <a:rPr lang="en-US" b="1" dirty="0"/>
+              <a:t>Let’s talk about the exam</a:t>
             </a:r>
           </a:p>
         </p:txBody>
@@ -3560,7 +4217,7 @@
           <p:cNvPr id="3" name="Content Placeholder 2">
             <a:extLst>
               <a:ext uri="{FF2B5EF4-FFF2-40B4-BE49-F238E27FC236}">
-                <a16:creationId xmlns:a16="http://schemas.microsoft.com/office/drawing/2014/main" id="{3784E8C2-2F0E-9171-6C20-F8C9F80EC747}"/>
+                <a16:creationId xmlns:a16="http://schemas.microsoft.com/office/drawing/2014/main" id="{801C73B1-E847-56CA-ADDA-A8C4622619CC}"/>
               </a:ext>
             </a:extLst>
           </p:cNvPr>
@@ -3576,52 +4233,74 @@
           <a:bodyPr/>
           <a:lstStyle/>
           <a:p>
-            <a:r>
-              <a:rPr lang="en-US" dirty="0"/>
-              <a:t>Many creative figures…fine</a:t>
-            </a:r>
-          </a:p>
-          <a:p>
-            <a:pPr lvl="1"/>
-            <a:r>
-              <a:rPr lang="en-US" dirty="0"/>
-              <a:t>Practice: explain in words</a:t>
-            </a:r>
-          </a:p>
-          <a:p>
-            <a:pPr marL="0" indent="0">
-              <a:buNone/>
+            <a:pPr>
+              <a:lnSpc>
+                <a:spcPct val="150000"/>
+              </a:lnSpc>
             </a:pPr>
-            <a:endParaRPr lang="en-US" dirty="0"/>
-          </a:p>
-          <a:p>
-            <a:r>
-              <a:rPr lang="en-US" dirty="0"/>
-              <a:t>KNN is simple but computationally intensive</a:t>
-            </a:r>
-          </a:p>
-          <a:p>
-            <a:pPr lvl="1"/>
-            <a:r>
-              <a:rPr lang="en-US" b="0" i="0" dirty="0">
-                <a:solidFill>
-                  <a:srgbClr val="040C28"/>
-                </a:solidFill>
-                <a:effectLst/>
-                <a:latin typeface="Google Sans"/>
-              </a:rPr>
-              <a:t>You have to calculate the distance between a new data point and all other data points with known classification</a:t>
-            </a:r>
-          </a:p>
-          <a:p>
-            <a:endParaRPr lang="en-US" dirty="0"/>
+            <a:r>
+              <a:rPr lang="en-US" dirty="0"/>
+              <a:t>I think we need to talk about the exam</a:t>
+            </a:r>
+          </a:p>
+          <a:p>
+            <a:pPr>
+              <a:lnSpc>
+                <a:spcPct val="150000"/>
+              </a:lnSpc>
+            </a:pPr>
+            <a:r>
+              <a:rPr lang="en-US" dirty="0"/>
+              <a:t>5 Questions</a:t>
+            </a:r>
+          </a:p>
+          <a:p>
+            <a:pPr lvl="1">
+              <a:lnSpc>
+                <a:spcPct val="150000"/>
+              </a:lnSpc>
+            </a:pPr>
+            <a:r>
+              <a:rPr lang="en-US" dirty="0"/>
+              <a:t>2 questions are the past interview questions from Lyft and Goldman Sachs</a:t>
+            </a:r>
+          </a:p>
+          <a:p>
+            <a:pPr lvl="1">
+              <a:lnSpc>
+                <a:spcPct val="150000"/>
+              </a:lnSpc>
+            </a:pPr>
+            <a:r>
+              <a:rPr lang="en-US" dirty="0"/>
+              <a:t>1 question is the screening interview from the postdoc program</a:t>
+            </a:r>
+          </a:p>
+          <a:p>
+            <a:pPr>
+              <a:lnSpc>
+                <a:spcPct val="150000"/>
+              </a:lnSpc>
+            </a:pPr>
+            <a:r>
+              <a:rPr lang="en-US" dirty="0"/>
+              <a:t>Please </a:t>
+            </a:r>
+            <a:r>
+              <a:rPr lang="en-US" b="1" dirty="0"/>
+              <a:t>email</a:t>
+            </a:r>
+            <a:r>
+              <a:rPr lang="en-US" dirty="0"/>
+              <a:t> me if you have questions on your score</a:t>
+            </a:r>
           </a:p>
         </p:txBody>
       </p:sp>
     </p:spTree>
     <p:extLst>
       <p:ext uri="{BB962C8B-B14F-4D97-AF65-F5344CB8AC3E}">
-        <p14:creationId xmlns:p14="http://schemas.microsoft.com/office/powerpoint/2010/main" val="3750585742"/>
+        <p14:creationId xmlns:p14="http://schemas.microsoft.com/office/powerpoint/2010/main" val="2307128882"/>
       </p:ext>
     </p:extLst>
   </p:cSld>
@@ -3653,7 +4332,7 @@
           <p:cNvPr id="2" name="Title 1">
             <a:extLst>
               <a:ext uri="{FF2B5EF4-FFF2-40B4-BE49-F238E27FC236}">
-                <a16:creationId xmlns:a16="http://schemas.microsoft.com/office/drawing/2014/main" id="{C39B3EA7-992B-12FC-AD9D-BBDF9270C248}"/>
+                <a16:creationId xmlns:a16="http://schemas.microsoft.com/office/drawing/2014/main" id="{46DFADD8-15F9-554B-EE1D-73B0A5AF647A}"/>
               </a:ext>
             </a:extLst>
           </p:cNvPr>
@@ -3670,8 +4349,8 @@
           <a:lstStyle/>
           <a:p>
             <a:r>
-              <a:rPr lang="en-US" dirty="0"/>
-              <a:t>Question 3</a:t>
+              <a:rPr lang="en-US" b="1" dirty="0"/>
+              <a:t>Give me your intuition</a:t>
             </a:r>
           </a:p>
         </p:txBody>
@@ -3681,7 +4360,7 @@
           <p:cNvPr id="3" name="Content Placeholder 2">
             <a:extLst>
               <a:ext uri="{FF2B5EF4-FFF2-40B4-BE49-F238E27FC236}">
-                <a16:creationId xmlns:a16="http://schemas.microsoft.com/office/drawing/2014/main" id="{C420337E-A15D-0130-8AE8-BB711932D8CF}"/>
+                <a16:creationId xmlns:a16="http://schemas.microsoft.com/office/drawing/2014/main" id="{F656A1A1-0DEE-1607-3269-2CE78126D029}"/>
               </a:ext>
             </a:extLst>
           </p:cNvPr>
@@ -3694,45 +4373,85 @@
         </p:nvSpPr>
         <p:spPr/>
         <p:txBody>
-          <a:bodyPr/>
-          <a:lstStyle/>
-          <a:p>
-            <a:r>
-              <a:rPr lang="en-US" dirty="0"/>
-              <a:t>Why do we need a classification model?</a:t>
-            </a:r>
-          </a:p>
-          <a:p>
-            <a:pPr lvl="1"/>
-            <a:r>
-              <a:rPr lang="en-US" dirty="0"/>
-              <a:t>The outcome is continuous</a:t>
-            </a:r>
-          </a:p>
-          <a:p>
-            <a:pPr lvl="1"/>
-            <a:r>
-              <a:rPr lang="en-US" dirty="0"/>
-              <a:t>So?</a:t>
-            </a:r>
-          </a:p>
-          <a:p>
-            <a:r>
-              <a:rPr lang="en-US" dirty="0"/>
-              <a:t>Filter out the adult contents?</a:t>
-            </a:r>
-          </a:p>
-          <a:p>
-            <a:r>
-              <a:rPr lang="en-US" dirty="0"/>
-              <a:t>Find the suspect from the video footage?</a:t>
-            </a:r>
-          </a:p>
-          <a:p>
-            <a:pPr lvl="1"/>
-            <a:r>
-              <a:rPr lang="en-US" dirty="0"/>
-              <a:t>BOTH!</a:t>
+          <a:bodyPr>
+            <a:normAutofit fontScale="92500"/>
+          </a:bodyPr>
+          <a:lstStyle/>
+          <a:p>
+            <a:pPr>
+              <a:lnSpc>
+                <a:spcPct val="150000"/>
+              </a:lnSpc>
+            </a:pPr>
+            <a:r>
+              <a:rPr lang="en-US" dirty="0"/>
+              <a:t>Average is 88.94 and median is 91</a:t>
+            </a:r>
+          </a:p>
+          <a:p>
+            <a:pPr lvl="1">
+              <a:lnSpc>
+                <a:spcPct val="150000"/>
+              </a:lnSpc>
+            </a:pPr>
+            <a:r>
+              <a:rPr lang="en-US" dirty="0"/>
+              <a:t>Homework average is around 94</a:t>
+            </a:r>
+          </a:p>
+          <a:p>
+            <a:pPr lvl="1">
+              <a:lnSpc>
+                <a:spcPct val="150000"/>
+              </a:lnSpc>
+            </a:pPr>
+            <a:r>
+              <a:rPr lang="en-US" dirty="0"/>
+              <a:t>Even better on conceptual questions</a:t>
+            </a:r>
+          </a:p>
+          <a:p>
+            <a:pPr>
+              <a:lnSpc>
+                <a:spcPct val="150000"/>
+              </a:lnSpc>
+            </a:pPr>
+            <a:r>
+              <a:rPr lang="en-US" dirty="0"/>
+              <a:t>We will have </a:t>
+            </a:r>
+          </a:p>
+          <a:p>
+            <a:pPr lvl="1">
+              <a:lnSpc>
+                <a:spcPct val="150000"/>
+              </a:lnSpc>
+            </a:pPr>
+            <a:r>
+              <a:rPr lang="en-US" dirty="0"/>
+              <a:t>Tree based methods: most advanced</a:t>
+            </a:r>
+          </a:p>
+          <a:p>
+            <a:pPr lvl="1">
+              <a:lnSpc>
+                <a:spcPct val="150000"/>
+              </a:lnSpc>
+            </a:pPr>
+            <a:r>
+              <a:rPr lang="en-US" dirty="0"/>
+              <a:t>Unsupervised learning: probably new </a:t>
+            </a:r>
+          </a:p>
+          <a:p>
+            <a:pPr>
+              <a:lnSpc>
+                <a:spcPct val="150000"/>
+              </a:lnSpc>
+            </a:pPr>
+            <a:r>
+              <a:rPr lang="en-US" dirty="0"/>
+              <a:t>Let’s review the questions</a:t>
             </a:r>
           </a:p>
         </p:txBody>
@@ -3740,7 +4459,7 @@
     </p:spTree>
     <p:extLst>
       <p:ext uri="{BB962C8B-B14F-4D97-AF65-F5344CB8AC3E}">
-        <p14:creationId xmlns:p14="http://schemas.microsoft.com/office/powerpoint/2010/main" val="598395510"/>
+        <p14:creationId xmlns:p14="http://schemas.microsoft.com/office/powerpoint/2010/main" val="2116068013"/>
       </p:ext>
     </p:extLst>
   </p:cSld>
@@ -3772,7 +4491,7 @@
           <p:cNvPr id="2" name="Title 1">
             <a:extLst>
               <a:ext uri="{FF2B5EF4-FFF2-40B4-BE49-F238E27FC236}">
-                <a16:creationId xmlns:a16="http://schemas.microsoft.com/office/drawing/2014/main" id="{FF0A6B22-F68E-2A70-EF43-F6FBC7D8DD6B}"/>
+                <a16:creationId xmlns:a16="http://schemas.microsoft.com/office/drawing/2014/main" id="{863F707D-D488-05BD-2152-05A6892CB1BA}"/>
               </a:ext>
             </a:extLst>
           </p:cNvPr>
@@ -3790,56 +4509,44 @@
           <a:p>
             <a:r>
               <a:rPr lang="en-US" dirty="0"/>
-              <a:t>Question 4</a:t>
-            </a:r>
-          </a:p>
-        </p:txBody>
-      </p:sp>
-      <p:sp>
-        <p:nvSpPr>
-          <p:cNvPr id="3" name="Content Placeholder 2">
-            <a:extLst>
-              <a:ext uri="{FF2B5EF4-FFF2-40B4-BE49-F238E27FC236}">
-                <a16:creationId xmlns:a16="http://schemas.microsoft.com/office/drawing/2014/main" id="{AD8163DB-17FB-8C6B-3D1F-E287FD0198D7}"/>
-              </a:ext>
-            </a:extLst>
-          </p:cNvPr>
-          <p:cNvSpPr>
-            <a:spLocks noGrp="1"/>
-          </p:cNvSpPr>
+              <a:t>How do we need to approach this question?</a:t>
+            </a:r>
+          </a:p>
+        </p:txBody>
+      </p:sp>
+      <p:pic>
+        <p:nvPicPr>
+          <p:cNvPr id="5" name="Content Placeholder 4" descr="Text, letter&#10;&#10;Description automatically generated">
+            <a:extLst>
+              <a:ext uri="{FF2B5EF4-FFF2-40B4-BE49-F238E27FC236}">
+                <a16:creationId xmlns:a16="http://schemas.microsoft.com/office/drawing/2014/main" id="{D2A09334-1489-83C7-0F50-5741F723E8EA}"/>
+              </a:ext>
+            </a:extLst>
+          </p:cNvPr>
+          <p:cNvPicPr>
+            <a:picLocks noGrp="1" noChangeAspect="1"/>
+          </p:cNvPicPr>
           <p:nvPr>
             <p:ph idx="1"/>
           </p:nvPr>
-        </p:nvSpPr>
-        <p:spPr/>
-        <p:txBody>
-          <a:bodyPr/>
-          <a:lstStyle/>
-          <a:p>
-            <a:r>
-              <a:rPr lang="en-US" dirty="0"/>
-              <a:t>K-fold validation</a:t>
-            </a:r>
-          </a:p>
-          <a:p>
-            <a:pPr lvl="1"/>
-            <a:r>
-              <a:rPr lang="en-US" dirty="0"/>
-              <a:t>Where is the stage of fitting your model into the data?</a:t>
-            </a:r>
-          </a:p>
-          <a:p>
-            <a:r>
-              <a:rPr lang="en-US"/>
-              <a:t>I didn’t ask LOOCV…</a:t>
-            </a:r>
-          </a:p>
-        </p:txBody>
-      </p:sp>
+        </p:nvPicPr>
+        <p:blipFill>
+          <a:blip r:embed="rId2"/>
+          <a:stretch>
+            <a:fillRect/>
+          </a:stretch>
+        </p:blipFill>
+        <p:spPr>
+          <a:xfrm>
+            <a:off x="838200" y="1982923"/>
+            <a:ext cx="10515600" cy="4036741"/>
+          </a:xfrm>
+        </p:spPr>
+      </p:pic>
     </p:spTree>
     <p:extLst>
       <p:ext uri="{BB962C8B-B14F-4D97-AF65-F5344CB8AC3E}">
-        <p14:creationId xmlns:p14="http://schemas.microsoft.com/office/powerpoint/2010/main" val="137877342"/>
+        <p14:creationId xmlns:p14="http://schemas.microsoft.com/office/powerpoint/2010/main" val="342041144"/>
       </p:ext>
     </p:extLst>
   </p:cSld>
@@ -3871,7 +4578,7 @@
           <p:cNvPr id="2" name="Title 1">
             <a:extLst>
               <a:ext uri="{FF2B5EF4-FFF2-40B4-BE49-F238E27FC236}">
-                <a16:creationId xmlns:a16="http://schemas.microsoft.com/office/drawing/2014/main" id="{C93C6E2B-3754-D5E6-F640-6CF411774C2E}"/>
+                <a16:creationId xmlns:a16="http://schemas.microsoft.com/office/drawing/2014/main" id="{5693FD9A-04B1-8FEC-29D4-A855C5C02B61}"/>
               </a:ext>
             </a:extLst>
           </p:cNvPr>
@@ -3889,7 +4596,7 @@
           <a:p>
             <a:r>
               <a:rPr lang="en-US" dirty="0"/>
-              <a:t>Lasso is…?</a:t>
+              <a:t>Question 1</a:t>
             </a:r>
           </a:p>
         </p:txBody>
@@ -3899,7 +4606,7 @@
           <p:cNvPr id="3" name="Content Placeholder 2">
             <a:extLst>
               <a:ext uri="{FF2B5EF4-FFF2-40B4-BE49-F238E27FC236}">
-                <a16:creationId xmlns:a16="http://schemas.microsoft.com/office/drawing/2014/main" id="{3FF31B47-A515-F2AE-A8A5-01B0C0DB274D}"/>
+                <a16:creationId xmlns:a16="http://schemas.microsoft.com/office/drawing/2014/main" id="{566AA1AB-E5A2-F828-490D-B0C9595093EE}"/>
               </a:ext>
             </a:extLst>
           </p:cNvPr>
@@ -3912,16 +4619,96 @@
         </p:nvSpPr>
         <p:spPr/>
         <p:txBody>
-          <a:bodyPr/>
-          <a:lstStyle/>
-          <a:p>
-            <a:r>
-              <a:rPr lang="en-US" dirty="0"/>
-              <a:t>Overfitting is not a problem </a:t>
-            </a:r>
-            <a:r>
-              <a:rPr lang="en-US"/>
-              <a:t>any more?</a:t>
+          <a:bodyPr>
+            <a:normAutofit fontScale="85000" lnSpcReduction="20000"/>
+          </a:bodyPr>
+          <a:lstStyle/>
+          <a:p>
+            <a:pPr>
+              <a:lnSpc>
+                <a:spcPct val="150000"/>
+              </a:lnSpc>
+            </a:pPr>
+            <a:r>
+              <a:rPr lang="en-US" dirty="0"/>
+              <a:t>What’s the question?</a:t>
+            </a:r>
+          </a:p>
+          <a:p>
+            <a:pPr lvl="1">
+              <a:lnSpc>
+                <a:spcPct val="150000"/>
+              </a:lnSpc>
+            </a:pPr>
+            <a:r>
+              <a:rPr lang="en-US" dirty="0"/>
+              <a:t>You have to defend in terms of favoring inflexible models</a:t>
+            </a:r>
+          </a:p>
+          <a:p>
+            <a:pPr lvl="1">
+              <a:lnSpc>
+                <a:spcPct val="150000"/>
+              </a:lnSpc>
+            </a:pPr>
+            <a:r>
+              <a:rPr lang="en-US" dirty="0"/>
+              <a:t>Not interested in how much you know about this subject </a:t>
+            </a:r>
+          </a:p>
+          <a:p>
+            <a:pPr>
+              <a:lnSpc>
+                <a:spcPct val="150000"/>
+              </a:lnSpc>
+            </a:pPr>
+            <a:r>
+              <a:rPr lang="en-US" dirty="0"/>
+              <a:t>Have to know Definition / basic characteristics</a:t>
+            </a:r>
+          </a:p>
+          <a:p>
+            <a:pPr lvl="1">
+              <a:lnSpc>
+                <a:spcPct val="150000"/>
+              </a:lnSpc>
+            </a:pPr>
+            <a:r>
+              <a:rPr lang="en-US" dirty="0"/>
+              <a:t>Linear models, inflexible models, simple models</a:t>
+            </a:r>
+          </a:p>
+          <a:p>
+            <a:pPr lvl="1">
+              <a:lnSpc>
+                <a:spcPct val="150000"/>
+              </a:lnSpc>
+            </a:pPr>
+            <a:r>
+              <a:rPr lang="en-US" dirty="0"/>
+              <a:t>Non linear models, flexible models, complex models</a:t>
+            </a:r>
+          </a:p>
+          <a:p>
+            <a:pPr>
+              <a:lnSpc>
+                <a:spcPct val="150000"/>
+              </a:lnSpc>
+            </a:pPr>
+            <a:r>
+              <a:rPr lang="en-US" dirty="0"/>
+              <a:t>It is easy to answer, but what’s your story of the application?</a:t>
+            </a:r>
+          </a:p>
+          <a:p>
+            <a:pPr>
+              <a:lnSpc>
+                <a:spcPct val="150000"/>
+              </a:lnSpc>
+            </a:pPr>
+            <a:r>
+              <a:rPr lang="en-US" dirty="0"/>
+              <a:t>Think about if you are asked the same question in face-to-face interview</a:t>
             </a:r>
           </a:p>
         </p:txBody>
@@ -3929,7 +4716,377 @@
     </p:spTree>
     <p:extLst>
       <p:ext uri="{BB962C8B-B14F-4D97-AF65-F5344CB8AC3E}">
-        <p14:creationId xmlns:p14="http://schemas.microsoft.com/office/powerpoint/2010/main" val="754824070"/>
+        <p14:creationId xmlns:p14="http://schemas.microsoft.com/office/powerpoint/2010/main" val="2288725843"/>
+      </p:ext>
+    </p:extLst>
+  </p:cSld>
+  <p:clrMapOvr>
+    <a:masterClrMapping/>
+  </p:clrMapOvr>
+</p:sld>
+</file>
+
+<file path=ppt/slides/slide7.xml><?xml version="1.0" encoding="utf-8"?>
+<p:sld xmlns:a="http://schemas.openxmlformats.org/drawingml/2006/main" xmlns:r="http://schemas.openxmlformats.org/officeDocument/2006/relationships" xmlns:p="http://schemas.openxmlformats.org/presentationml/2006/main">
+  <p:cSld>
+    <p:spTree>
+      <p:nvGrpSpPr>
+        <p:cNvPr id="1" name=""/>
+        <p:cNvGrpSpPr/>
+        <p:nvPr/>
+      </p:nvGrpSpPr>
+      <p:grpSpPr>
+        <a:xfrm>
+          <a:off x="0" y="0"/>
+          <a:ext cx="0" cy="0"/>
+          <a:chOff x="0" y="0"/>
+          <a:chExt cx="0" cy="0"/>
+        </a:xfrm>
+      </p:grpSpPr>
+      <p:sp>
+        <p:nvSpPr>
+          <p:cNvPr id="2" name="Title 1">
+            <a:extLst>
+              <a:ext uri="{FF2B5EF4-FFF2-40B4-BE49-F238E27FC236}">
+                <a16:creationId xmlns:a16="http://schemas.microsoft.com/office/drawing/2014/main" id="{FEBC897B-6936-919A-6D6C-A282A70829CE}"/>
+              </a:ext>
+            </a:extLst>
+          </p:cNvPr>
+          <p:cNvSpPr>
+            <a:spLocks noGrp="1"/>
+          </p:cNvSpPr>
+          <p:nvPr>
+            <p:ph type="title"/>
+          </p:nvPr>
+        </p:nvSpPr>
+        <p:spPr/>
+        <p:txBody>
+          <a:bodyPr/>
+          <a:lstStyle/>
+          <a:p>
+            <a:r>
+              <a:rPr lang="en-US" dirty="0"/>
+              <a:t>Question 2</a:t>
+            </a:r>
+          </a:p>
+        </p:txBody>
+      </p:sp>
+      <p:pic>
+        <p:nvPicPr>
+          <p:cNvPr id="5" name="Content Placeholder 4" descr="Text, letter&#10;&#10;Description automatically generated">
+            <a:extLst>
+              <a:ext uri="{FF2B5EF4-FFF2-40B4-BE49-F238E27FC236}">
+                <a16:creationId xmlns:a16="http://schemas.microsoft.com/office/drawing/2014/main" id="{2EE0D864-D714-6979-C5BD-945CFF8A9484}"/>
+              </a:ext>
+            </a:extLst>
+          </p:cNvPr>
+          <p:cNvPicPr>
+            <a:picLocks noGrp="1" noChangeAspect="1"/>
+          </p:cNvPicPr>
+          <p:nvPr>
+            <p:ph idx="1"/>
+          </p:nvPr>
+        </p:nvPicPr>
+        <p:blipFill>
+          <a:blip r:embed="rId2"/>
+          <a:stretch>
+            <a:fillRect/>
+          </a:stretch>
+        </p:blipFill>
+        <p:spPr>
+          <a:xfrm>
+            <a:off x="1038957" y="2057400"/>
+            <a:ext cx="10114085" cy="3670300"/>
+          </a:xfrm>
+        </p:spPr>
+      </p:pic>
+    </p:spTree>
+    <p:extLst>
+      <p:ext uri="{BB962C8B-B14F-4D97-AF65-F5344CB8AC3E}">
+        <p14:creationId xmlns:p14="http://schemas.microsoft.com/office/powerpoint/2010/main" val="3035210298"/>
+      </p:ext>
+    </p:extLst>
+  </p:cSld>
+  <p:clrMapOvr>
+    <a:masterClrMapping/>
+  </p:clrMapOvr>
+</p:sld>
+</file>
+
+<file path=ppt/slides/slide8.xml><?xml version="1.0" encoding="utf-8"?>
+<p:sld xmlns:a="http://schemas.openxmlformats.org/drawingml/2006/main" xmlns:r="http://schemas.openxmlformats.org/officeDocument/2006/relationships" xmlns:p="http://schemas.openxmlformats.org/presentationml/2006/main">
+  <p:cSld>
+    <p:spTree>
+      <p:nvGrpSpPr>
+        <p:cNvPr id="1" name=""/>
+        <p:cNvGrpSpPr/>
+        <p:nvPr/>
+      </p:nvGrpSpPr>
+      <p:grpSpPr>
+        <a:xfrm>
+          <a:off x="0" y="0"/>
+          <a:ext cx="0" cy="0"/>
+          <a:chOff x="0" y="0"/>
+          <a:chExt cx="0" cy="0"/>
+        </a:xfrm>
+      </p:grpSpPr>
+      <p:sp>
+        <p:nvSpPr>
+          <p:cNvPr id="2" name="Title 1">
+            <a:extLst>
+              <a:ext uri="{FF2B5EF4-FFF2-40B4-BE49-F238E27FC236}">
+                <a16:creationId xmlns:a16="http://schemas.microsoft.com/office/drawing/2014/main" id="{23A2E8C4-DB29-D7EE-FBEC-B09430A90452}"/>
+              </a:ext>
+            </a:extLst>
+          </p:cNvPr>
+          <p:cNvSpPr>
+            <a:spLocks noGrp="1"/>
+          </p:cNvSpPr>
+          <p:nvPr>
+            <p:ph type="title"/>
+          </p:nvPr>
+        </p:nvSpPr>
+        <p:spPr/>
+        <p:txBody>
+          <a:bodyPr/>
+          <a:lstStyle/>
+          <a:p>
+            <a:r>
+              <a:rPr lang="en-US" dirty="0"/>
+              <a:t>Question 2</a:t>
+            </a:r>
+          </a:p>
+        </p:txBody>
+      </p:sp>
+      <p:sp>
+        <p:nvSpPr>
+          <p:cNvPr id="3" name="Content Placeholder 2">
+            <a:extLst>
+              <a:ext uri="{FF2B5EF4-FFF2-40B4-BE49-F238E27FC236}">
+                <a16:creationId xmlns:a16="http://schemas.microsoft.com/office/drawing/2014/main" id="{3784E8C2-2F0E-9171-6C20-F8C9F80EC747}"/>
+              </a:ext>
+            </a:extLst>
+          </p:cNvPr>
+          <p:cNvSpPr>
+            <a:spLocks noGrp="1"/>
+          </p:cNvSpPr>
+          <p:nvPr>
+            <p:ph idx="1"/>
+          </p:nvPr>
+        </p:nvSpPr>
+        <p:spPr/>
+        <p:txBody>
+          <a:bodyPr>
+            <a:normAutofit fontScale="85000" lnSpcReduction="20000"/>
+          </a:bodyPr>
+          <a:lstStyle/>
+          <a:p>
+            <a:pPr>
+              <a:lnSpc>
+                <a:spcPct val="150000"/>
+              </a:lnSpc>
+            </a:pPr>
+            <a:r>
+              <a:rPr lang="en-US" dirty="0"/>
+              <a:t>Most answered the question 1 and 2</a:t>
+            </a:r>
+          </a:p>
+          <a:p>
+            <a:pPr>
+              <a:lnSpc>
+                <a:spcPct val="150000"/>
+              </a:lnSpc>
+            </a:pPr>
+            <a:r>
+              <a:rPr lang="en-US" dirty="0"/>
+              <a:t>I saw so many creative figures and fancy equations</a:t>
+            </a:r>
+          </a:p>
+          <a:p>
+            <a:pPr>
+              <a:lnSpc>
+                <a:spcPct val="150000"/>
+              </a:lnSpc>
+            </a:pPr>
+            <a:r>
+              <a:rPr lang="en-US" dirty="0"/>
+              <a:t>For the question 2.1</a:t>
+            </a:r>
+          </a:p>
+          <a:p>
+            <a:pPr lvl="1">
+              <a:lnSpc>
+                <a:spcPct val="150000"/>
+              </a:lnSpc>
+            </a:pPr>
+            <a:r>
+              <a:rPr lang="en-US" dirty="0"/>
+              <a:t>Fine, but how to explain your understanding in words?</a:t>
+            </a:r>
+          </a:p>
+          <a:p>
+            <a:pPr>
+              <a:lnSpc>
+                <a:spcPct val="150000"/>
+              </a:lnSpc>
+            </a:pPr>
+            <a:r>
+              <a:rPr lang="en-US" dirty="0"/>
+              <a:t>For the question 2.2</a:t>
+            </a:r>
+          </a:p>
+          <a:p>
+            <a:pPr lvl="1">
+              <a:lnSpc>
+                <a:spcPct val="150000"/>
+              </a:lnSpc>
+            </a:pPr>
+            <a:r>
+              <a:rPr lang="en-US" dirty="0"/>
+              <a:t>KNN is simple and intuitive</a:t>
+            </a:r>
+          </a:p>
+          <a:p>
+            <a:pPr lvl="1">
+              <a:lnSpc>
+                <a:spcPct val="150000"/>
+              </a:lnSpc>
+            </a:pPr>
+            <a:r>
+              <a:rPr lang="en-US" b="0" i="0" dirty="0">
+                <a:solidFill>
+                  <a:srgbClr val="040C28"/>
+                </a:solidFill>
+                <a:effectLst/>
+                <a:latin typeface="Google Sans"/>
+              </a:rPr>
+              <a:t>Is it easy to compute? </a:t>
+            </a:r>
+          </a:p>
+          <a:p>
+            <a:pPr lvl="2">
+              <a:lnSpc>
+                <a:spcPct val="150000"/>
+              </a:lnSpc>
+            </a:pPr>
+            <a:r>
+              <a:rPr lang="en-US" dirty="0">
+                <a:solidFill>
+                  <a:srgbClr val="040C28"/>
+                </a:solidFill>
+                <a:latin typeface="Google Sans"/>
+              </a:rPr>
+              <a:t>Think about the algorithms</a:t>
+            </a:r>
+            <a:endParaRPr lang="en-US" b="0" i="0" dirty="0">
+              <a:solidFill>
+                <a:srgbClr val="040C28"/>
+              </a:solidFill>
+              <a:effectLst/>
+              <a:latin typeface="Google Sans"/>
+            </a:endParaRPr>
+          </a:p>
+          <a:p>
+            <a:pPr>
+              <a:lnSpc>
+                <a:spcPct val="150000"/>
+              </a:lnSpc>
+            </a:pPr>
+            <a:endParaRPr lang="en-US" dirty="0"/>
+          </a:p>
+        </p:txBody>
+      </p:sp>
+    </p:spTree>
+    <p:extLst>
+      <p:ext uri="{BB962C8B-B14F-4D97-AF65-F5344CB8AC3E}">
+        <p14:creationId xmlns:p14="http://schemas.microsoft.com/office/powerpoint/2010/main" val="3750585742"/>
+      </p:ext>
+    </p:extLst>
+  </p:cSld>
+  <p:clrMapOvr>
+    <a:masterClrMapping/>
+  </p:clrMapOvr>
+</p:sld>
+</file>
+
+<file path=ppt/slides/slide9.xml><?xml version="1.0" encoding="utf-8"?>
+<p:sld xmlns:a="http://schemas.openxmlformats.org/drawingml/2006/main" xmlns:r="http://schemas.openxmlformats.org/officeDocument/2006/relationships" xmlns:p="http://schemas.openxmlformats.org/presentationml/2006/main">
+  <p:cSld>
+    <p:spTree>
+      <p:nvGrpSpPr>
+        <p:cNvPr id="1" name=""/>
+        <p:cNvGrpSpPr/>
+        <p:nvPr/>
+      </p:nvGrpSpPr>
+      <p:grpSpPr>
+        <a:xfrm>
+          <a:off x="0" y="0"/>
+          <a:ext cx="0" cy="0"/>
+          <a:chOff x="0" y="0"/>
+          <a:chExt cx="0" cy="0"/>
+        </a:xfrm>
+      </p:grpSpPr>
+      <p:sp>
+        <p:nvSpPr>
+          <p:cNvPr id="2" name="Title 1">
+            <a:extLst>
+              <a:ext uri="{FF2B5EF4-FFF2-40B4-BE49-F238E27FC236}">
+                <a16:creationId xmlns:a16="http://schemas.microsoft.com/office/drawing/2014/main" id="{F2558111-5800-3DC1-6687-6AE79BFCD3A4}"/>
+              </a:ext>
+            </a:extLst>
+          </p:cNvPr>
+          <p:cNvSpPr>
+            <a:spLocks noGrp="1"/>
+          </p:cNvSpPr>
+          <p:nvPr>
+            <p:ph type="title"/>
+          </p:nvPr>
+        </p:nvSpPr>
+        <p:spPr/>
+        <p:txBody>
+          <a:bodyPr/>
+          <a:lstStyle/>
+          <a:p>
+            <a:r>
+              <a:rPr lang="en-US" b="1" dirty="0"/>
+              <a:t>Your example is boring…</a:t>
+            </a:r>
+          </a:p>
+        </p:txBody>
+      </p:sp>
+      <p:pic>
+        <p:nvPicPr>
+          <p:cNvPr id="5" name="Content Placeholder 4" descr="Graphical user interface, text&#10;&#10;Description automatically generated">
+            <a:extLst>
+              <a:ext uri="{FF2B5EF4-FFF2-40B4-BE49-F238E27FC236}">
+                <a16:creationId xmlns:a16="http://schemas.microsoft.com/office/drawing/2014/main" id="{B6403F78-BBDA-4A86-8836-03DBA2538465}"/>
+              </a:ext>
+            </a:extLst>
+          </p:cNvPr>
+          <p:cNvPicPr>
+            <a:picLocks noGrp="1" noChangeAspect="1"/>
+          </p:cNvPicPr>
+          <p:nvPr>
+            <p:ph idx="1"/>
+          </p:nvPr>
+        </p:nvPicPr>
+        <p:blipFill>
+          <a:blip r:embed="rId2"/>
+          <a:stretch>
+            <a:fillRect/>
+          </a:stretch>
+        </p:blipFill>
+        <p:spPr>
+          <a:xfrm>
+            <a:off x="838200" y="2012156"/>
+            <a:ext cx="9953627" cy="1493044"/>
+          </a:xfrm>
+        </p:spPr>
+      </p:pic>
+    </p:spTree>
+    <p:extLst>
+      <p:ext uri="{BB962C8B-B14F-4D97-AF65-F5344CB8AC3E}">
+        <p14:creationId xmlns:p14="http://schemas.microsoft.com/office/powerpoint/2010/main" val="1276257132"/>
       </p:ext>
     </p:extLst>
   </p:cSld>
